--- a/ex_8/Sap ui5 control hierarchy.pptx
+++ b/ex_8/Sap ui5 control hierarchy.pptx
@@ -6,6 +6,7 @@
   </p:sldMasterIdLst>
   <p:sldIdLst>
     <p:sldId id="256" r:id="rId2"/>
+    <p:sldId id="257" r:id="rId3"/>
   </p:sldIdLst>
   <p:sldSz cx="12192000" cy="6858000"/>
   <p:notesSz cx="6858000" cy="9144000"/>
@@ -104,6 +105,11 @@
       </a:defRPr>
     </a:lvl9pPr>
   </p:defaultTextStyle>
+  <p:extLst>
+    <p:ext uri="{EFAFB233-063F-42B5-8137-9DF3F51BA10A}">
+      <p15:sldGuideLst xmlns:p15="http://schemas.microsoft.com/office/powerpoint/2012/main"/>
+    </p:ext>
+  </p:extLst>
 </p:presentation>
 </file>
 
@@ -4539,6 +4545,1259 @@
 </p:sld>
 </file>
 
+<file path=ppt/slides/slide2.xml><?xml version="1.0" encoding="utf-8"?>
+<p:sld xmlns:a="http://schemas.openxmlformats.org/drawingml/2006/main" xmlns:r="http://schemas.openxmlformats.org/officeDocument/2006/relationships" xmlns:p="http://schemas.openxmlformats.org/presentationml/2006/main">
+  <p:cSld>
+    <p:spTree>
+      <p:nvGrpSpPr>
+        <p:cNvPr id="1" name=""/>
+        <p:cNvGrpSpPr/>
+        <p:nvPr/>
+      </p:nvGrpSpPr>
+      <p:grpSpPr>
+        <a:xfrm>
+          <a:off x="0" y="0"/>
+          <a:ext cx="0" cy="0"/>
+          <a:chOff x="0" y="0"/>
+          <a:chExt cx="0" cy="0"/>
+        </a:xfrm>
+      </p:grpSpPr>
+      <p:grpSp>
+        <p:nvGrpSpPr>
+          <p:cNvPr id="98" name="Group 97">
+            <a:extLst>
+              <a:ext uri="{FF2B5EF4-FFF2-40B4-BE49-F238E27FC236}">
+                <a16:creationId xmlns:a16="http://schemas.microsoft.com/office/drawing/2014/main" id="{4B0C51E0-857F-051C-7239-BE17B14C321A}"/>
+              </a:ext>
+            </a:extLst>
+          </p:cNvPr>
+          <p:cNvGrpSpPr/>
+          <p:nvPr/>
+        </p:nvGrpSpPr>
+        <p:grpSpPr>
+          <a:xfrm>
+            <a:off x="1079755" y="407121"/>
+            <a:ext cx="9817988" cy="6043757"/>
+            <a:chOff x="965455" y="444627"/>
+            <a:chExt cx="9817988" cy="6043757"/>
+          </a:xfrm>
+        </p:grpSpPr>
+        <p:grpSp>
+          <p:nvGrpSpPr>
+            <p:cNvPr id="77" name="Group 76">
+              <a:extLst>
+                <a:ext uri="{FF2B5EF4-FFF2-40B4-BE49-F238E27FC236}">
+                  <a16:creationId xmlns:a16="http://schemas.microsoft.com/office/drawing/2014/main" id="{3EDC84D3-19D8-37E3-3E23-12E4C82119C8}"/>
+                </a:ext>
+              </a:extLst>
+            </p:cNvPr>
+            <p:cNvGrpSpPr/>
+            <p:nvPr/>
+          </p:nvGrpSpPr>
+          <p:grpSpPr>
+            <a:xfrm>
+              <a:off x="1062227" y="444627"/>
+              <a:ext cx="9721216" cy="4443984"/>
+              <a:chOff x="700277" y="530352"/>
+              <a:chExt cx="9721216" cy="4443984"/>
+            </a:xfrm>
+          </p:grpSpPr>
+          <p:grpSp>
+            <p:nvGrpSpPr>
+              <p:cNvPr id="68" name="Group 67">
+                <a:extLst>
+                  <a:ext uri="{FF2B5EF4-FFF2-40B4-BE49-F238E27FC236}">
+                    <a16:creationId xmlns:a16="http://schemas.microsoft.com/office/drawing/2014/main" id="{77759F66-975B-10BA-6629-5593F5ED2603}"/>
+                  </a:ext>
+                </a:extLst>
+              </p:cNvPr>
+              <p:cNvGrpSpPr/>
+              <p:nvPr/>
+            </p:nvGrpSpPr>
+            <p:grpSpPr>
+              <a:xfrm>
+                <a:off x="700277" y="530352"/>
+                <a:ext cx="9721216" cy="4443984"/>
+                <a:chOff x="700277" y="530352"/>
+                <a:chExt cx="9721216" cy="4443984"/>
+              </a:xfrm>
+            </p:grpSpPr>
+            <p:sp>
+              <p:nvSpPr>
+                <p:cNvPr id="4" name="Rectangle: Single Corner Snipped 3">
+                  <a:extLst>
+                    <a:ext uri="{FF2B5EF4-FFF2-40B4-BE49-F238E27FC236}">
+                      <a16:creationId xmlns:a16="http://schemas.microsoft.com/office/drawing/2014/main" id="{9F23956D-3CC1-40DD-C469-16134DEEF7B1}"/>
+                    </a:ext>
+                  </a:extLst>
+                </p:cNvPr>
+                <p:cNvSpPr/>
+                <p:nvPr/>
+              </p:nvSpPr>
+              <p:spPr>
+                <a:xfrm>
+                  <a:off x="4182618" y="530352"/>
+                  <a:ext cx="2679192" cy="1362456"/>
+                </a:xfrm>
+                <a:prstGeom prst="snip1Rect">
+                  <a:avLst/>
+                </a:prstGeom>
+                <a:solidFill>
+                  <a:schemeClr val="accent1">
+                    <a:lumMod val="60000"/>
+                    <a:lumOff val="40000"/>
+                  </a:schemeClr>
+                </a:solidFill>
+                <a:ln>
+                  <a:noFill/>
+                </a:ln>
+              </p:spPr>
+              <p:style>
+                <a:lnRef idx="0">
+                  <a:scrgbClr r="0" g="0" b="0"/>
+                </a:lnRef>
+                <a:fillRef idx="0">
+                  <a:scrgbClr r="0" g="0" b="0"/>
+                </a:fillRef>
+                <a:effectRef idx="0">
+                  <a:scrgbClr r="0" g="0" b="0"/>
+                </a:effectRef>
+                <a:fontRef idx="minor">
+                  <a:schemeClr val="lt1"/>
+                </a:fontRef>
+              </p:style>
+              <p:txBody>
+                <a:bodyPr rtlCol="0" anchor="ctr"/>
+                <a:lstStyle/>
+                <a:p>
+                  <a:pPr algn="ctr"/>
+                  <a:r>
+                    <a:rPr lang="en-IN" dirty="0">
+                      <a:solidFill>
+                        <a:schemeClr val="tx1"/>
+                      </a:solidFill>
+                    </a:rPr>
+                    <a:t>Controller – Application processing</a:t>
+                  </a:r>
+                  <a:endParaRPr lang="en-US" dirty="0">
+                    <a:solidFill>
+                      <a:schemeClr val="tx1"/>
+                    </a:solidFill>
+                  </a:endParaRPr>
+                </a:p>
+              </p:txBody>
+            </p:sp>
+            <p:sp>
+              <p:nvSpPr>
+                <p:cNvPr id="5" name="Rectangle: Single Corner Snipped 4">
+                  <a:extLst>
+                    <a:ext uri="{FF2B5EF4-FFF2-40B4-BE49-F238E27FC236}">
+                      <a16:creationId xmlns:a16="http://schemas.microsoft.com/office/drawing/2014/main" id="{2AE1B92E-FC73-3CE0-CE75-8091E7D61575}"/>
+                    </a:ext>
+                  </a:extLst>
+                </p:cNvPr>
+                <p:cNvSpPr/>
+                <p:nvPr/>
+              </p:nvSpPr>
+              <p:spPr>
+                <a:xfrm>
+                  <a:off x="700277" y="4046220"/>
+                  <a:ext cx="2679191" cy="928116"/>
+                </a:xfrm>
+                <a:prstGeom prst="snip1Rect">
+                  <a:avLst/>
+                </a:prstGeom>
+                <a:solidFill>
+                  <a:schemeClr val="accent1">
+                    <a:lumMod val="60000"/>
+                    <a:lumOff val="40000"/>
+                  </a:schemeClr>
+                </a:solidFill>
+                <a:ln>
+                  <a:noFill/>
+                </a:ln>
+              </p:spPr>
+              <p:style>
+                <a:lnRef idx="0">
+                  <a:scrgbClr r="0" g="0" b="0"/>
+                </a:lnRef>
+                <a:fillRef idx="0">
+                  <a:scrgbClr r="0" g="0" b="0"/>
+                </a:fillRef>
+                <a:effectRef idx="0">
+                  <a:scrgbClr r="0" g="0" b="0"/>
+                </a:effectRef>
+                <a:fontRef idx="minor">
+                  <a:schemeClr val="lt1"/>
+                </a:fontRef>
+              </p:style>
+              <p:txBody>
+                <a:bodyPr rtlCol="0" anchor="ctr"/>
+                <a:lstStyle/>
+                <a:p>
+                  <a:pPr algn="ctr"/>
+                  <a:r>
+                    <a:rPr lang="en-IN" dirty="0">
+                      <a:solidFill>
+                        <a:schemeClr val="tx1"/>
+                      </a:solidFill>
+                    </a:rPr>
+                    <a:t>View – IO - Screen</a:t>
+                  </a:r>
+                  <a:endParaRPr lang="en-US" dirty="0">
+                    <a:solidFill>
+                      <a:schemeClr val="tx1"/>
+                    </a:solidFill>
+                  </a:endParaRPr>
+                </a:p>
+              </p:txBody>
+            </p:sp>
+            <p:sp>
+              <p:nvSpPr>
+                <p:cNvPr id="6" name="Rectangle: Single Corner Snipped 5">
+                  <a:extLst>
+                    <a:ext uri="{FF2B5EF4-FFF2-40B4-BE49-F238E27FC236}">
+                      <a16:creationId xmlns:a16="http://schemas.microsoft.com/office/drawing/2014/main" id="{6668D5D9-BF68-206E-C090-E555D9D799C4}"/>
+                    </a:ext>
+                  </a:extLst>
+                </p:cNvPr>
+                <p:cNvSpPr/>
+                <p:nvPr/>
+              </p:nvSpPr>
+              <p:spPr>
+                <a:xfrm>
+                  <a:off x="7742301" y="4046220"/>
+                  <a:ext cx="2679192" cy="928116"/>
+                </a:xfrm>
+                <a:prstGeom prst="snip1Rect">
+                  <a:avLst/>
+                </a:prstGeom>
+                <a:solidFill>
+                  <a:schemeClr val="accent1">
+                    <a:lumMod val="60000"/>
+                    <a:lumOff val="40000"/>
+                  </a:schemeClr>
+                </a:solidFill>
+                <a:ln>
+                  <a:noFill/>
+                </a:ln>
+              </p:spPr>
+              <p:style>
+                <a:lnRef idx="0">
+                  <a:scrgbClr r="0" g="0" b="0"/>
+                </a:lnRef>
+                <a:fillRef idx="0">
+                  <a:scrgbClr r="0" g="0" b="0"/>
+                </a:fillRef>
+                <a:effectRef idx="0">
+                  <a:scrgbClr r="0" g="0" b="0"/>
+                </a:effectRef>
+                <a:fontRef idx="minor">
+                  <a:schemeClr val="lt1"/>
+                </a:fontRef>
+              </p:style>
+              <p:txBody>
+                <a:bodyPr rtlCol="0" anchor="ctr"/>
+                <a:lstStyle/>
+                <a:p>
+                  <a:pPr algn="ctr"/>
+                  <a:r>
+                    <a:rPr lang="en-IN" dirty="0">
+                      <a:solidFill>
+                        <a:schemeClr val="tx1"/>
+                      </a:solidFill>
+                    </a:rPr>
+                    <a:t>Model - Data</a:t>
+                  </a:r>
+                  <a:endParaRPr lang="en-US" dirty="0">
+                    <a:solidFill>
+                      <a:schemeClr val="tx1"/>
+                    </a:solidFill>
+                  </a:endParaRPr>
+                </a:p>
+              </p:txBody>
+            </p:sp>
+            <p:cxnSp>
+              <p:nvCxnSpPr>
+                <p:cNvPr id="8" name="Connector: Elbow 7">
+                  <a:extLst>
+                    <a:ext uri="{FF2B5EF4-FFF2-40B4-BE49-F238E27FC236}">
+                      <a16:creationId xmlns:a16="http://schemas.microsoft.com/office/drawing/2014/main" id="{CA13FBC7-8277-AB67-19CE-0FA9CD949541}"/>
+                    </a:ext>
+                  </a:extLst>
+                </p:cNvPr>
+                <p:cNvCxnSpPr>
+                  <a:cxnSpLocks/>
+                  <a:stCxn id="5" idx="3"/>
+                  <a:endCxn id="4" idx="2"/>
+                </p:cNvCxnSpPr>
+                <p:nvPr/>
+              </p:nvCxnSpPr>
+              <p:spPr>
+                <a:xfrm rot="5400000" flipH="1" flipV="1">
+                  <a:off x="1693925" y="1557528"/>
+                  <a:ext cx="2834640" cy="2142745"/>
+                </a:xfrm>
+                <a:prstGeom prst="bentConnector2">
+                  <a:avLst/>
+                </a:prstGeom>
+                <a:ln>
+                  <a:tailEnd type="triangle"/>
+                </a:ln>
+              </p:spPr>
+              <p:style>
+                <a:lnRef idx="2">
+                  <a:schemeClr val="accent1"/>
+                </a:lnRef>
+                <a:fillRef idx="0">
+                  <a:schemeClr val="accent1"/>
+                </a:fillRef>
+                <a:effectRef idx="1">
+                  <a:schemeClr val="accent1"/>
+                </a:effectRef>
+                <a:fontRef idx="minor">
+                  <a:schemeClr val="tx1"/>
+                </a:fontRef>
+              </p:style>
+            </p:cxnSp>
+            <p:sp>
+              <p:nvSpPr>
+                <p:cNvPr id="10" name="TextBox 9">
+                  <a:extLst>
+                    <a:ext uri="{FF2B5EF4-FFF2-40B4-BE49-F238E27FC236}">
+                      <a16:creationId xmlns:a16="http://schemas.microsoft.com/office/drawing/2014/main" id="{71A8B6A3-84DE-D8BE-2B16-4C7F0A0898F9}"/>
+                    </a:ext>
+                  </a:extLst>
+                </p:cNvPr>
+                <p:cNvSpPr txBox="1"/>
+                <p:nvPr/>
+              </p:nvSpPr>
+              <p:spPr>
+                <a:xfrm>
+                  <a:off x="2414016" y="905256"/>
+                  <a:ext cx="868680" cy="369332"/>
+                </a:xfrm>
+                <a:prstGeom prst="rect">
+                  <a:avLst/>
+                </a:prstGeom>
+                <a:noFill/>
+              </p:spPr>
+              <p:txBody>
+                <a:bodyPr wrap="square" rtlCol="0">
+                  <a:spAutoFit/>
+                </a:bodyPr>
+                <a:lstStyle/>
+                <a:p>
+                  <a:r>
+                    <a:rPr lang="en-IN" dirty="0"/>
+                    <a:t>event</a:t>
+                  </a:r>
+                  <a:endParaRPr lang="en-US" dirty="0"/>
+                </a:p>
+              </p:txBody>
+            </p:sp>
+            <p:cxnSp>
+              <p:nvCxnSpPr>
+                <p:cNvPr id="12" name="Connector: Elbow 11">
+                  <a:extLst>
+                    <a:ext uri="{FF2B5EF4-FFF2-40B4-BE49-F238E27FC236}">
+                      <a16:creationId xmlns:a16="http://schemas.microsoft.com/office/drawing/2014/main" id="{37E7E664-E959-19B7-335D-EEF8782EB91D}"/>
+                    </a:ext>
+                  </a:extLst>
+                </p:cNvPr>
+                <p:cNvCxnSpPr>
+                  <a:cxnSpLocks/>
+                  <a:stCxn id="4" idx="0"/>
+                </p:cNvCxnSpPr>
+                <p:nvPr/>
+              </p:nvCxnSpPr>
+              <p:spPr>
+                <a:xfrm>
+                  <a:off x="6861810" y="1211580"/>
+                  <a:ext cx="2519934" cy="2834640"/>
+                </a:xfrm>
+                <a:prstGeom prst="bentConnector2">
+                  <a:avLst/>
+                </a:prstGeom>
+                <a:ln>
+                  <a:tailEnd type="triangle"/>
+                </a:ln>
+              </p:spPr>
+              <p:style>
+                <a:lnRef idx="2">
+                  <a:schemeClr val="accent1"/>
+                </a:lnRef>
+                <a:fillRef idx="0">
+                  <a:schemeClr val="accent1"/>
+                </a:fillRef>
+                <a:effectRef idx="1">
+                  <a:schemeClr val="accent1"/>
+                </a:effectRef>
+                <a:fontRef idx="minor">
+                  <a:schemeClr val="tx1"/>
+                </a:fontRef>
+              </p:style>
+            </p:cxnSp>
+            <p:sp>
+              <p:nvSpPr>
+                <p:cNvPr id="13" name="TextBox 12">
+                  <a:extLst>
+                    <a:ext uri="{FF2B5EF4-FFF2-40B4-BE49-F238E27FC236}">
+                      <a16:creationId xmlns:a16="http://schemas.microsoft.com/office/drawing/2014/main" id="{5A9B52B6-184A-298D-6339-DC95FFE937C6}"/>
+                    </a:ext>
+                  </a:extLst>
+                </p:cNvPr>
+                <p:cNvSpPr txBox="1"/>
+                <p:nvPr/>
+              </p:nvSpPr>
+              <p:spPr>
+                <a:xfrm>
+                  <a:off x="7979664" y="842248"/>
+                  <a:ext cx="1054608" cy="369332"/>
+                </a:xfrm>
+                <a:prstGeom prst="rect">
+                  <a:avLst/>
+                </a:prstGeom>
+                <a:noFill/>
+              </p:spPr>
+              <p:txBody>
+                <a:bodyPr wrap="square" rtlCol="0">
+                  <a:spAutoFit/>
+                </a:bodyPr>
+                <a:lstStyle/>
+                <a:p>
+                  <a:r>
+                    <a:rPr lang="en-IN" dirty="0"/>
+                    <a:t>Update</a:t>
+                  </a:r>
+                  <a:endParaRPr lang="en-US" dirty="0"/>
+                </a:p>
+              </p:txBody>
+            </p:sp>
+            <p:cxnSp>
+              <p:nvCxnSpPr>
+                <p:cNvPr id="20" name="Connector: Elbow 19">
+                  <a:extLst>
+                    <a:ext uri="{FF2B5EF4-FFF2-40B4-BE49-F238E27FC236}">
+                      <a16:creationId xmlns:a16="http://schemas.microsoft.com/office/drawing/2014/main" id="{7598A6EF-4886-FB89-96FD-B68C37F953C5}"/>
+                    </a:ext>
+                  </a:extLst>
+                </p:cNvPr>
+                <p:cNvCxnSpPr>
+                  <a:cxnSpLocks/>
+                </p:cNvCxnSpPr>
+                <p:nvPr/>
+              </p:nvCxnSpPr>
+              <p:spPr>
+                <a:xfrm rot="16200000" flipV="1">
+                  <a:off x="6555867" y="1951862"/>
+                  <a:ext cx="2400301" cy="1788415"/>
+                </a:xfrm>
+                <a:prstGeom prst="bentConnector3">
+                  <a:avLst>
+                    <a:gd name="adj1" fmla="val 99905"/>
+                  </a:avLst>
+                </a:prstGeom>
+                <a:ln>
+                  <a:tailEnd type="triangle"/>
+                </a:ln>
+              </p:spPr>
+              <p:style>
+                <a:lnRef idx="2">
+                  <a:schemeClr val="accent1"/>
+                </a:lnRef>
+                <a:fillRef idx="0">
+                  <a:schemeClr val="accent1"/>
+                </a:fillRef>
+                <a:effectRef idx="1">
+                  <a:schemeClr val="accent1"/>
+                </a:effectRef>
+                <a:fontRef idx="minor">
+                  <a:schemeClr val="tx1"/>
+                </a:fontRef>
+              </p:style>
+            </p:cxnSp>
+            <p:sp>
+              <p:nvSpPr>
+                <p:cNvPr id="24" name="TextBox 23">
+                  <a:extLst>
+                    <a:ext uri="{FF2B5EF4-FFF2-40B4-BE49-F238E27FC236}">
+                      <a16:creationId xmlns:a16="http://schemas.microsoft.com/office/drawing/2014/main" id="{19FF47CF-6FBA-8E6C-2DED-BAEA6510379C}"/>
+                    </a:ext>
+                  </a:extLst>
+                </p:cNvPr>
+                <p:cNvSpPr txBox="1"/>
+                <p:nvPr/>
+              </p:nvSpPr>
+              <p:spPr>
+                <a:xfrm>
+                  <a:off x="7420737" y="1771150"/>
+                  <a:ext cx="1054608" cy="369332"/>
+                </a:xfrm>
+                <a:prstGeom prst="rect">
+                  <a:avLst/>
+                </a:prstGeom>
+                <a:noFill/>
+              </p:spPr>
+              <p:txBody>
+                <a:bodyPr wrap="square" rtlCol="0">
+                  <a:spAutoFit/>
+                </a:bodyPr>
+                <a:lstStyle/>
+                <a:p>
+                  <a:r>
+                    <a:rPr lang="en-IN" dirty="0"/>
+                    <a:t>Notify</a:t>
+                  </a:r>
+                  <a:endParaRPr lang="en-US" dirty="0"/>
+                </a:p>
+              </p:txBody>
+            </p:sp>
+            <p:cxnSp>
+              <p:nvCxnSpPr>
+                <p:cNvPr id="32" name="Connector: Elbow 31">
+                  <a:extLst>
+                    <a:ext uri="{FF2B5EF4-FFF2-40B4-BE49-F238E27FC236}">
+                      <a16:creationId xmlns:a16="http://schemas.microsoft.com/office/drawing/2014/main" id="{898FB42A-291C-87BC-CA8E-16BBC160A486}"/>
+                    </a:ext>
+                  </a:extLst>
+                </p:cNvPr>
+                <p:cNvCxnSpPr>
+                  <a:cxnSpLocks/>
+                </p:cNvCxnSpPr>
+                <p:nvPr/>
+              </p:nvCxnSpPr>
+              <p:spPr>
+                <a:xfrm rot="5400000">
+                  <a:off x="2114431" y="1978033"/>
+                  <a:ext cx="2465309" cy="1671067"/>
+                </a:xfrm>
+                <a:prstGeom prst="bentConnector3">
+                  <a:avLst>
+                    <a:gd name="adj1" fmla="val 1040"/>
+                  </a:avLst>
+                </a:prstGeom>
+                <a:ln>
+                  <a:tailEnd type="triangle"/>
+                </a:ln>
+              </p:spPr>
+              <p:style>
+                <a:lnRef idx="2">
+                  <a:schemeClr val="accent1"/>
+                </a:lnRef>
+                <a:fillRef idx="0">
+                  <a:schemeClr val="accent1"/>
+                </a:fillRef>
+                <a:effectRef idx="1">
+                  <a:schemeClr val="accent1"/>
+                </a:effectRef>
+                <a:fontRef idx="minor">
+                  <a:schemeClr val="tx1"/>
+                </a:fontRef>
+              </p:style>
+            </p:cxnSp>
+            <p:sp>
+              <p:nvSpPr>
+                <p:cNvPr id="33" name="TextBox 32">
+                  <a:extLst>
+                    <a:ext uri="{FF2B5EF4-FFF2-40B4-BE49-F238E27FC236}">
+                      <a16:creationId xmlns:a16="http://schemas.microsoft.com/office/drawing/2014/main" id="{ACE7E08E-691C-67AA-9ABD-94ABA1E6AACA}"/>
+                    </a:ext>
+                  </a:extLst>
+                </p:cNvPr>
+                <p:cNvSpPr txBox="1"/>
+                <p:nvPr/>
+              </p:nvSpPr>
+              <p:spPr>
+                <a:xfrm>
+                  <a:off x="2670045" y="1771150"/>
+                  <a:ext cx="1054608" cy="369332"/>
+                </a:xfrm>
+                <a:prstGeom prst="rect">
+                  <a:avLst/>
+                </a:prstGeom>
+                <a:noFill/>
+              </p:spPr>
+              <p:txBody>
+                <a:bodyPr wrap="square" rtlCol="0">
+                  <a:spAutoFit/>
+                </a:bodyPr>
+                <a:lstStyle/>
+                <a:p>
+                  <a:r>
+                    <a:rPr lang="en-IN" dirty="0"/>
+                    <a:t>Notify</a:t>
+                  </a:r>
+                  <a:endParaRPr lang="en-US" dirty="0"/>
+                </a:p>
+              </p:txBody>
+            </p:sp>
+          </p:grpSp>
+          <p:grpSp>
+            <p:nvGrpSpPr>
+              <p:cNvPr id="73" name="Group 72">
+                <a:extLst>
+                  <a:ext uri="{FF2B5EF4-FFF2-40B4-BE49-F238E27FC236}">
+                    <a16:creationId xmlns:a16="http://schemas.microsoft.com/office/drawing/2014/main" id="{99832DDE-9DD8-C6CE-0D46-0AE86CED8E6A}"/>
+                  </a:ext>
+                </a:extLst>
+              </p:cNvPr>
+              <p:cNvGrpSpPr/>
+              <p:nvPr/>
+            </p:nvGrpSpPr>
+            <p:grpSpPr>
+              <a:xfrm>
+                <a:off x="3324606" y="4114014"/>
+                <a:ext cx="4395215" cy="860322"/>
+                <a:chOff x="3347086" y="4236458"/>
+                <a:chExt cx="4395215" cy="646547"/>
+              </a:xfrm>
+            </p:grpSpPr>
+            <p:sp>
+              <p:nvSpPr>
+                <p:cNvPr id="70" name="Flowchart: Manual Operation 69">
+                  <a:extLst>
+                    <a:ext uri="{FF2B5EF4-FFF2-40B4-BE49-F238E27FC236}">
+                      <a16:creationId xmlns:a16="http://schemas.microsoft.com/office/drawing/2014/main" id="{811C7D88-0A02-BAEA-027B-E93F6C2B23CA}"/>
+                    </a:ext>
+                  </a:extLst>
+                </p:cNvPr>
+                <p:cNvSpPr/>
+                <p:nvPr/>
+              </p:nvSpPr>
+              <p:spPr>
+                <a:xfrm rot="16200000">
+                  <a:off x="3245935" y="4337609"/>
+                  <a:ext cx="646545" cy="444244"/>
+                </a:xfrm>
+                <a:prstGeom prst="flowChartManualOperation">
+                  <a:avLst/>
+                </a:prstGeom>
+              </p:spPr>
+              <p:style>
+                <a:lnRef idx="3">
+                  <a:schemeClr val="lt1"/>
+                </a:lnRef>
+                <a:fillRef idx="1">
+                  <a:schemeClr val="accent6"/>
+                </a:fillRef>
+                <a:effectRef idx="1">
+                  <a:schemeClr val="accent6"/>
+                </a:effectRef>
+                <a:fontRef idx="minor">
+                  <a:schemeClr val="lt1"/>
+                </a:fontRef>
+              </p:style>
+              <p:txBody>
+                <a:bodyPr rtlCol="0" anchor="ctr"/>
+                <a:lstStyle/>
+                <a:p>
+                  <a:pPr algn="ctr"/>
+                  <a:endParaRPr lang="en-US"/>
+                </a:p>
+              </p:txBody>
+            </p:sp>
+            <p:sp>
+              <p:nvSpPr>
+                <p:cNvPr id="71" name="Flowchart: Manual Operation 70">
+                  <a:extLst>
+                    <a:ext uri="{FF2B5EF4-FFF2-40B4-BE49-F238E27FC236}">
+                      <a16:creationId xmlns:a16="http://schemas.microsoft.com/office/drawing/2014/main" id="{51B86D9C-DDD5-160A-EBF8-0CBEF7EBD904}"/>
+                    </a:ext>
+                  </a:extLst>
+                </p:cNvPr>
+                <p:cNvSpPr/>
+                <p:nvPr/>
+              </p:nvSpPr>
+              <p:spPr>
+                <a:xfrm rot="16200000" flipV="1">
+                  <a:off x="7205000" y="4345705"/>
+                  <a:ext cx="646547" cy="428054"/>
+                </a:xfrm>
+                <a:prstGeom prst="flowChartManualOperation">
+                  <a:avLst/>
+                </a:prstGeom>
+              </p:spPr>
+              <p:style>
+                <a:lnRef idx="3">
+                  <a:schemeClr val="lt1"/>
+                </a:lnRef>
+                <a:fillRef idx="1">
+                  <a:schemeClr val="accent6"/>
+                </a:fillRef>
+                <a:effectRef idx="1">
+                  <a:schemeClr val="accent6"/>
+                </a:effectRef>
+                <a:fontRef idx="minor">
+                  <a:schemeClr val="lt1"/>
+                </a:fontRef>
+              </p:style>
+              <p:txBody>
+                <a:bodyPr rtlCol="0" anchor="ctr"/>
+                <a:lstStyle/>
+                <a:p>
+                  <a:pPr algn="ctr"/>
+                  <a:endParaRPr lang="en-US"/>
+                </a:p>
+              </p:txBody>
+            </p:sp>
+            <p:sp>
+              <p:nvSpPr>
+                <p:cNvPr id="72" name="Rectangle 71">
+                  <a:extLst>
+                    <a:ext uri="{FF2B5EF4-FFF2-40B4-BE49-F238E27FC236}">
+                      <a16:creationId xmlns:a16="http://schemas.microsoft.com/office/drawing/2014/main" id="{51007F4C-A14B-3BEA-B28D-61A0E02E9B35}"/>
+                    </a:ext>
+                  </a:extLst>
+                </p:cNvPr>
+                <p:cNvSpPr/>
+                <p:nvPr/>
+              </p:nvSpPr>
+              <p:spPr>
+                <a:xfrm>
+                  <a:off x="3716526" y="4371975"/>
+                  <a:ext cx="3629407" cy="374649"/>
+                </a:xfrm>
+                <a:prstGeom prst="rect">
+                  <a:avLst/>
+                </a:prstGeom>
+                <a:solidFill>
+                  <a:schemeClr val="accent6"/>
+                </a:solidFill>
+                <a:ln>
+                  <a:noFill/>
+                </a:ln>
+              </p:spPr>
+              <p:style>
+                <a:lnRef idx="2">
+                  <a:schemeClr val="accent1">
+                    <a:shade val="15000"/>
+                  </a:schemeClr>
+                </a:lnRef>
+                <a:fillRef idx="1">
+                  <a:schemeClr val="accent1"/>
+                </a:fillRef>
+                <a:effectRef idx="0">
+                  <a:schemeClr val="accent1"/>
+                </a:effectRef>
+                <a:fontRef idx="minor">
+                  <a:schemeClr val="lt1"/>
+                </a:fontRef>
+              </p:style>
+              <p:txBody>
+                <a:bodyPr rtlCol="0" anchor="ctr"/>
+                <a:lstStyle/>
+                <a:p>
+                  <a:pPr algn="ctr"/>
+                  <a:r>
+                    <a:rPr lang="en-IN" b="1" dirty="0"/>
+                    <a:t>Data Binding</a:t>
+                  </a:r>
+                  <a:endParaRPr lang="en-US" b="1" dirty="0"/>
+                </a:p>
+              </p:txBody>
+            </p:sp>
+          </p:grpSp>
+        </p:grpSp>
+        <p:sp>
+          <p:nvSpPr>
+            <p:cNvPr id="74" name="TextBox 73">
+              <a:extLst>
+                <a:ext uri="{FF2B5EF4-FFF2-40B4-BE49-F238E27FC236}">
+                  <a16:creationId xmlns:a16="http://schemas.microsoft.com/office/drawing/2014/main" id="{1441E12A-C89C-6818-7A58-91CD7C628BF4}"/>
+                </a:ext>
+              </a:extLst>
+            </p:cNvPr>
+            <p:cNvSpPr txBox="1"/>
+            <p:nvPr/>
+          </p:nvSpPr>
+          <p:spPr>
+            <a:xfrm>
+              <a:off x="965455" y="5011056"/>
+              <a:ext cx="2679191" cy="1477328"/>
+            </a:xfrm>
+            <a:prstGeom prst="rect">
+              <a:avLst/>
+            </a:prstGeom>
+            <a:noFill/>
+          </p:spPr>
+          <p:txBody>
+            <a:bodyPr wrap="square" rtlCol="0">
+              <a:spAutoFit/>
+            </a:bodyPr>
+            <a:lstStyle/>
+            <a:p>
+              <a:pPr marL="285750" indent="-285750">
+                <a:buFont typeface="Wingdings" panose="05000000000000000000" pitchFamily="2" charset="2"/>
+                <a:buChar char="ü"/>
+              </a:pPr>
+              <a:r>
+                <a:rPr lang="en-IN" b="1" dirty="0">
+                  <a:solidFill>
+                    <a:srgbClr val="FF0000"/>
+                  </a:solidFill>
+                </a:rPr>
+                <a:t>JS View (0.01%)</a:t>
+              </a:r>
+            </a:p>
+            <a:p>
+              <a:pPr marL="285750" indent="-285750">
+                <a:buFont typeface="Wingdings" panose="05000000000000000000" pitchFamily="2" charset="2"/>
+                <a:buChar char="ü"/>
+              </a:pPr>
+              <a:r>
+                <a:rPr lang="en-IN" b="1" dirty="0">
+                  <a:highlight>
+                    <a:srgbClr val="FFFF00"/>
+                  </a:highlight>
+                </a:rPr>
+                <a:t>XML View (99.99%)</a:t>
+              </a:r>
+            </a:p>
+            <a:p>
+              <a:pPr marL="285750" indent="-285750">
+                <a:buFont typeface="Wingdings" panose="05000000000000000000" pitchFamily="2" charset="2"/>
+                <a:buChar char="ü"/>
+              </a:pPr>
+              <a:r>
+                <a:rPr lang="en-IN" b="1" dirty="0">
+                  <a:solidFill>
+                    <a:srgbClr val="FF0000"/>
+                  </a:solidFill>
+                </a:rPr>
+                <a:t>JSON View 0%</a:t>
+              </a:r>
+            </a:p>
+            <a:p>
+              <a:pPr marL="285750" indent="-285750">
+                <a:buFont typeface="Wingdings" panose="05000000000000000000" pitchFamily="2" charset="2"/>
+                <a:buChar char="ü"/>
+              </a:pPr>
+              <a:r>
+                <a:rPr lang="en-IN" b="1" dirty="0">
+                  <a:solidFill>
+                    <a:srgbClr val="FF0000"/>
+                  </a:solidFill>
+                </a:rPr>
+                <a:t>HTML View 0%</a:t>
+              </a:r>
+            </a:p>
+            <a:p>
+              <a:pPr marL="285750" indent="-285750">
+                <a:buFont typeface="Wingdings" panose="05000000000000000000" pitchFamily="2" charset="2"/>
+                <a:buChar char="ü"/>
+              </a:pPr>
+              <a:endParaRPr lang="en-US" b="1" dirty="0">
+                <a:solidFill>
+                  <a:srgbClr val="FF0000"/>
+                </a:solidFill>
+              </a:endParaRPr>
+            </a:p>
+          </p:txBody>
+        </p:sp>
+        <p:sp>
+          <p:nvSpPr>
+            <p:cNvPr id="75" name="TextBox 74">
+              <a:extLst>
+                <a:ext uri="{FF2B5EF4-FFF2-40B4-BE49-F238E27FC236}">
+                  <a16:creationId xmlns:a16="http://schemas.microsoft.com/office/drawing/2014/main" id="{9677C52F-749B-9C57-56E1-46A5ADA58A02}"/>
+                </a:ext>
+              </a:extLst>
+            </p:cNvPr>
+            <p:cNvSpPr txBox="1"/>
+            <p:nvPr/>
+          </p:nvSpPr>
+          <p:spPr>
+            <a:xfrm>
+              <a:off x="4658869" y="4955253"/>
+              <a:ext cx="2679191" cy="1200329"/>
+            </a:xfrm>
+            <a:prstGeom prst="rect">
+              <a:avLst/>
+            </a:prstGeom>
+            <a:noFill/>
+          </p:spPr>
+          <p:txBody>
+            <a:bodyPr wrap="square" rtlCol="0">
+              <a:spAutoFit/>
+            </a:bodyPr>
+            <a:lstStyle/>
+            <a:p>
+              <a:pPr marL="285750" indent="-285750">
+                <a:buFont typeface="Wingdings" panose="05000000000000000000" pitchFamily="2" charset="2"/>
+                <a:buChar char="v"/>
+              </a:pPr>
+              <a:r>
+                <a:rPr lang="en-IN" b="1" dirty="0">
+                  <a:solidFill>
+                    <a:schemeClr val="accent5">
+                      <a:lumMod val="75000"/>
+                    </a:schemeClr>
+                  </a:solidFill>
+                </a:rPr>
+                <a:t>Property Binding</a:t>
+              </a:r>
+            </a:p>
+            <a:p>
+              <a:pPr marL="285750" indent="-285750">
+                <a:buFont typeface="Wingdings" panose="05000000000000000000" pitchFamily="2" charset="2"/>
+                <a:buChar char="v"/>
+              </a:pPr>
+              <a:r>
+                <a:rPr lang="en-IN" b="1" dirty="0">
+                  <a:solidFill>
+                    <a:schemeClr val="accent5">
+                      <a:lumMod val="75000"/>
+                    </a:schemeClr>
+                  </a:solidFill>
+                </a:rPr>
+                <a:t>Expression Binding</a:t>
+              </a:r>
+            </a:p>
+            <a:p>
+              <a:pPr marL="285750" indent="-285750">
+                <a:buFont typeface="Wingdings" panose="05000000000000000000" pitchFamily="2" charset="2"/>
+                <a:buChar char="v"/>
+              </a:pPr>
+              <a:r>
+                <a:rPr lang="en-IN" b="1" dirty="0">
+                  <a:solidFill>
+                    <a:schemeClr val="accent5">
+                      <a:lumMod val="75000"/>
+                    </a:schemeClr>
+                  </a:solidFill>
+                </a:rPr>
+                <a:t>Element Binding</a:t>
+              </a:r>
+            </a:p>
+            <a:p>
+              <a:pPr marL="285750" indent="-285750">
+                <a:buFont typeface="Wingdings" panose="05000000000000000000" pitchFamily="2" charset="2"/>
+                <a:buChar char="v"/>
+              </a:pPr>
+              <a:r>
+                <a:rPr lang="en-IN" b="1" dirty="0">
+                  <a:solidFill>
+                    <a:schemeClr val="accent5">
+                      <a:lumMod val="75000"/>
+                    </a:schemeClr>
+                  </a:solidFill>
+                </a:rPr>
+                <a:t>Aggregation Binding</a:t>
+              </a:r>
+            </a:p>
+          </p:txBody>
+        </p:sp>
+        <p:sp>
+          <p:nvSpPr>
+            <p:cNvPr id="76" name="TextBox 75">
+              <a:extLst>
+                <a:ext uri="{FF2B5EF4-FFF2-40B4-BE49-F238E27FC236}">
+                  <a16:creationId xmlns:a16="http://schemas.microsoft.com/office/drawing/2014/main" id="{8000D94E-8F5F-E801-0EDB-CF6E832C67A2}"/>
+                </a:ext>
+              </a:extLst>
+            </p:cNvPr>
+            <p:cNvSpPr txBox="1"/>
+            <p:nvPr/>
+          </p:nvSpPr>
+          <p:spPr>
+            <a:xfrm>
+              <a:off x="3709035" y="2385045"/>
+              <a:ext cx="4504326" cy="400110"/>
+            </a:xfrm>
+            <a:prstGeom prst="rect">
+              <a:avLst/>
+            </a:prstGeom>
+            <a:noFill/>
+          </p:spPr>
+          <p:txBody>
+            <a:bodyPr wrap="square" rtlCol="0">
+              <a:spAutoFit/>
+            </a:bodyPr>
+            <a:lstStyle/>
+            <a:p>
+              <a:r>
+                <a:rPr lang="en-IN" sz="2000" b="1" dirty="0"/>
+                <a:t>Model View Control – Architecture</a:t>
+              </a:r>
+              <a:endParaRPr lang="en-US" sz="2000" b="1" dirty="0"/>
+            </a:p>
+          </p:txBody>
+        </p:sp>
+        <p:sp>
+          <p:nvSpPr>
+            <p:cNvPr id="78" name="TextBox 77">
+              <a:extLst>
+                <a:ext uri="{FF2B5EF4-FFF2-40B4-BE49-F238E27FC236}">
+                  <a16:creationId xmlns:a16="http://schemas.microsoft.com/office/drawing/2014/main" id="{2763A27C-39F3-3082-12F5-3281A66C6063}"/>
+                </a:ext>
+              </a:extLst>
+            </p:cNvPr>
+            <p:cNvSpPr txBox="1"/>
+            <p:nvPr/>
+          </p:nvSpPr>
+          <p:spPr>
+            <a:xfrm>
+              <a:off x="8081772" y="4975209"/>
+              <a:ext cx="2679191" cy="1200329"/>
+            </a:xfrm>
+            <a:prstGeom prst="rect">
+              <a:avLst/>
+            </a:prstGeom>
+            <a:noFill/>
+          </p:spPr>
+          <p:txBody>
+            <a:bodyPr wrap="square" rtlCol="0">
+              <a:spAutoFit/>
+            </a:bodyPr>
+            <a:lstStyle/>
+            <a:p>
+              <a:pPr marL="285750" indent="-285750" algn="r">
+                <a:buFont typeface="Wingdings" panose="05000000000000000000" pitchFamily="2" charset="2"/>
+                <a:buChar char="§"/>
+              </a:pPr>
+              <a:r>
+                <a:rPr lang="en-IN" b="1" dirty="0">
+                  <a:solidFill>
+                    <a:schemeClr val="accent6">
+                      <a:lumMod val="75000"/>
+                    </a:schemeClr>
+                  </a:solidFill>
+                </a:rPr>
+                <a:t>JSON Model</a:t>
+              </a:r>
+            </a:p>
+            <a:p>
+              <a:pPr marL="285750" indent="-285750" algn="r">
+                <a:buFont typeface="Wingdings" panose="05000000000000000000" pitchFamily="2" charset="2"/>
+                <a:buChar char="§"/>
+              </a:pPr>
+              <a:r>
+                <a:rPr lang="en-IN" b="1" dirty="0">
+                  <a:solidFill>
+                    <a:schemeClr val="accent6">
+                      <a:lumMod val="75000"/>
+                    </a:schemeClr>
+                  </a:solidFill>
+                </a:rPr>
+                <a:t>XML Model</a:t>
+              </a:r>
+            </a:p>
+            <a:p>
+              <a:pPr marL="285750" indent="-285750" algn="r">
+                <a:buFont typeface="Wingdings" panose="05000000000000000000" pitchFamily="2" charset="2"/>
+                <a:buChar char="§"/>
+              </a:pPr>
+              <a:r>
+                <a:rPr lang="en-IN" b="1" dirty="0">
+                  <a:solidFill>
+                    <a:schemeClr val="accent6">
+                      <a:lumMod val="75000"/>
+                    </a:schemeClr>
+                  </a:solidFill>
+                </a:rPr>
+                <a:t>Resource Model</a:t>
+              </a:r>
+            </a:p>
+            <a:p>
+              <a:pPr marL="285750" indent="-285750" algn="r">
+                <a:buFont typeface="Wingdings" panose="05000000000000000000" pitchFamily="2" charset="2"/>
+                <a:buChar char="§"/>
+              </a:pPr>
+              <a:r>
+                <a:rPr lang="en-IN" b="1" dirty="0">
+                  <a:solidFill>
+                    <a:schemeClr val="accent6">
+                      <a:lumMod val="75000"/>
+                    </a:schemeClr>
+                  </a:solidFill>
+                </a:rPr>
+                <a:t>OData Model</a:t>
+              </a:r>
+            </a:p>
+          </p:txBody>
+        </p:sp>
+        <p:sp>
+          <p:nvSpPr>
+            <p:cNvPr id="79" name="TextBox 78">
+              <a:extLst>
+                <a:ext uri="{FF2B5EF4-FFF2-40B4-BE49-F238E27FC236}">
+                  <a16:creationId xmlns:a16="http://schemas.microsoft.com/office/drawing/2014/main" id="{4A2DB7C4-9530-0EE4-AED7-6D4CF65B6442}"/>
+                </a:ext>
+              </a:extLst>
+            </p:cNvPr>
+            <p:cNvSpPr txBox="1"/>
+            <p:nvPr/>
+          </p:nvSpPr>
+          <p:spPr>
+            <a:xfrm>
+              <a:off x="4667057" y="3203967"/>
+              <a:ext cx="2434212" cy="400110"/>
+            </a:xfrm>
+            <a:prstGeom prst="rect">
+              <a:avLst/>
+            </a:prstGeom>
+            <a:noFill/>
+          </p:spPr>
+          <p:txBody>
+            <a:bodyPr wrap="square" rtlCol="0">
+              <a:spAutoFit/>
+            </a:bodyPr>
+            <a:lstStyle/>
+            <a:p>
+              <a:r>
+                <a:rPr lang="en-IN" sz="2000" b="1" dirty="0">
+                  <a:solidFill>
+                    <a:srgbClr val="FF0000"/>
+                  </a:solidFill>
+                </a:rPr>
+                <a:t>Ui5 – Architecture</a:t>
+              </a:r>
+              <a:endParaRPr lang="en-US" sz="2000" b="1" dirty="0">
+                <a:solidFill>
+                  <a:srgbClr val="FF0000"/>
+                </a:solidFill>
+              </a:endParaRPr>
+            </a:p>
+          </p:txBody>
+        </p:sp>
+        <p:cxnSp>
+          <p:nvCxnSpPr>
+            <p:cNvPr id="83" name="Straight Arrow Connector 82">
+              <a:extLst>
+                <a:ext uri="{FF2B5EF4-FFF2-40B4-BE49-F238E27FC236}">
+                  <a16:creationId xmlns:a16="http://schemas.microsoft.com/office/drawing/2014/main" id="{B82FC73D-F3A0-D9D7-B92C-0060F2E185B9}"/>
+                </a:ext>
+              </a:extLst>
+            </p:cNvPr>
+            <p:cNvCxnSpPr>
+              <a:cxnSpLocks/>
+            </p:cNvCxnSpPr>
+            <p:nvPr/>
+          </p:nvCxnSpPr>
+          <p:spPr>
+            <a:xfrm>
+              <a:off x="5734210" y="3629025"/>
+              <a:ext cx="0" cy="579587"/>
+            </a:xfrm>
+            <a:prstGeom prst="straightConnector1">
+              <a:avLst/>
+            </a:prstGeom>
+            <a:ln>
+              <a:tailEnd type="triangle"/>
+            </a:ln>
+          </p:spPr>
+          <p:style>
+            <a:lnRef idx="2">
+              <a:schemeClr val="accent1"/>
+            </a:lnRef>
+            <a:fillRef idx="0">
+              <a:schemeClr val="accent1"/>
+            </a:fillRef>
+            <a:effectRef idx="1">
+              <a:schemeClr val="accent1"/>
+            </a:effectRef>
+            <a:fontRef idx="minor">
+              <a:schemeClr val="tx1"/>
+            </a:fontRef>
+          </p:style>
+        </p:cxnSp>
+        <p:cxnSp>
+          <p:nvCxnSpPr>
+            <p:cNvPr id="84" name="Straight Arrow Connector 83">
+              <a:extLst>
+                <a:ext uri="{FF2B5EF4-FFF2-40B4-BE49-F238E27FC236}">
+                  <a16:creationId xmlns:a16="http://schemas.microsoft.com/office/drawing/2014/main" id="{0852CCBB-57B9-1B32-AEF1-9F9FC63AF517}"/>
+                </a:ext>
+              </a:extLst>
+            </p:cNvPr>
+            <p:cNvCxnSpPr>
+              <a:cxnSpLocks/>
+            </p:cNvCxnSpPr>
+            <p:nvPr/>
+          </p:nvCxnSpPr>
+          <p:spPr>
+            <a:xfrm flipH="1">
+              <a:off x="3601642" y="3478215"/>
+              <a:ext cx="1008947" cy="503838"/>
+            </a:xfrm>
+            <a:prstGeom prst="straightConnector1">
+              <a:avLst/>
+            </a:prstGeom>
+            <a:ln>
+              <a:tailEnd type="triangle"/>
+            </a:ln>
+          </p:spPr>
+          <p:style>
+            <a:lnRef idx="2">
+              <a:schemeClr val="accent1"/>
+            </a:lnRef>
+            <a:fillRef idx="0">
+              <a:schemeClr val="accent1"/>
+            </a:fillRef>
+            <a:effectRef idx="1">
+              <a:schemeClr val="accent1"/>
+            </a:effectRef>
+            <a:fontRef idx="minor">
+              <a:schemeClr val="tx1"/>
+            </a:fontRef>
+          </p:style>
+        </p:cxnSp>
+        <p:cxnSp>
+          <p:nvCxnSpPr>
+            <p:cNvPr id="86" name="Straight Arrow Connector 85">
+              <a:extLst>
+                <a:ext uri="{FF2B5EF4-FFF2-40B4-BE49-F238E27FC236}">
+                  <a16:creationId xmlns:a16="http://schemas.microsoft.com/office/drawing/2014/main" id="{CCDD1BC2-1C50-364B-32EC-4C6C379EB828}"/>
+                </a:ext>
+              </a:extLst>
+            </p:cNvPr>
+            <p:cNvCxnSpPr>
+              <a:cxnSpLocks/>
+            </p:cNvCxnSpPr>
+            <p:nvPr/>
+          </p:nvCxnSpPr>
+          <p:spPr>
+            <a:xfrm>
+              <a:off x="6914608" y="3531869"/>
+              <a:ext cx="1203359" cy="451741"/>
+            </a:xfrm>
+            <a:prstGeom prst="straightConnector1">
+              <a:avLst/>
+            </a:prstGeom>
+            <a:ln>
+              <a:tailEnd type="triangle"/>
+            </a:ln>
+          </p:spPr>
+          <p:style>
+            <a:lnRef idx="2">
+              <a:schemeClr val="accent1"/>
+            </a:lnRef>
+            <a:fillRef idx="0">
+              <a:schemeClr val="accent1"/>
+            </a:fillRef>
+            <a:effectRef idx="1">
+              <a:schemeClr val="accent1"/>
+            </a:effectRef>
+            <a:fontRef idx="minor">
+              <a:schemeClr val="tx1"/>
+            </a:fontRef>
+          </p:style>
+        </p:cxnSp>
+      </p:grpSp>
+    </p:spTree>
+    <p:extLst>
+      <p:ext uri="{BB962C8B-B14F-4D97-AF65-F5344CB8AC3E}">
+        <p14:creationId xmlns:p14="http://schemas.microsoft.com/office/powerpoint/2010/main" val="2042339265"/>
+      </p:ext>
+    </p:extLst>
+  </p:cSld>
+  <p:clrMapOvr>
+    <a:masterClrMapping/>
+  </p:clrMapOvr>
+</p:sld>
+</file>
+
 <file path=ppt/theme/theme1.xml><?xml version="1.0" encoding="utf-8"?>
 <a:theme xmlns:a="http://schemas.openxmlformats.org/drawingml/2006/main" name="Office Theme">
   <a:themeElements>

--- a/ex_8/Sap ui5 control hierarchy.pptx
+++ b/ex_8/Sap ui5 control hierarchy.pptx
@@ -4679,6 +4679,25 @@
                     </a:rPr>
                     <a:t>Controller – Application processing</a:t>
                   </a:r>
+                </a:p>
+                <a:p>
+                  <a:pPr algn="ctr"/>
+                  <a:r>
+                    <a:rPr lang="en-IN" dirty="0" err="1">
+                      <a:solidFill>
+                        <a:schemeClr val="tx1"/>
+                      </a:solidFill>
+                    </a:rPr>
+                    <a:t>eventHandler</a:t>
+                  </a:r>
+                  <a:r>
+                    <a:rPr lang="en-IN" dirty="0">
+                      <a:solidFill>
+                        <a:schemeClr val="tx1"/>
+                      </a:solidFill>
+                    </a:rPr>
+                    <a:t>() JS</a:t>
+                  </a:r>
                   <a:endParaRPr lang="en-US" dirty="0">
                     <a:solidFill>
                       <a:schemeClr val="tx1"/>
@@ -5502,7 +5521,7 @@
           </p:nvSpPr>
           <p:spPr>
             <a:xfrm>
-              <a:off x="3709035" y="2385045"/>
+              <a:off x="3686555" y="2724399"/>
               <a:ext cx="4504326" cy="400110"/>
             </a:xfrm>
             <a:prstGeom prst="rect">
@@ -5617,173 +5636,6 @@
             </a:p>
           </p:txBody>
         </p:sp>
-        <p:sp>
-          <p:nvSpPr>
-            <p:cNvPr id="79" name="TextBox 78">
-              <a:extLst>
-                <a:ext uri="{FF2B5EF4-FFF2-40B4-BE49-F238E27FC236}">
-                  <a16:creationId xmlns:a16="http://schemas.microsoft.com/office/drawing/2014/main" id="{4A2DB7C4-9530-0EE4-AED7-6D4CF65B6442}"/>
-                </a:ext>
-              </a:extLst>
-            </p:cNvPr>
-            <p:cNvSpPr txBox="1"/>
-            <p:nvPr/>
-          </p:nvSpPr>
-          <p:spPr>
-            <a:xfrm>
-              <a:off x="4667057" y="3203967"/>
-              <a:ext cx="2434212" cy="400110"/>
-            </a:xfrm>
-            <a:prstGeom prst="rect">
-              <a:avLst/>
-            </a:prstGeom>
-            <a:noFill/>
-          </p:spPr>
-          <p:txBody>
-            <a:bodyPr wrap="square" rtlCol="0">
-              <a:spAutoFit/>
-            </a:bodyPr>
-            <a:lstStyle/>
-            <a:p>
-              <a:r>
-                <a:rPr lang="en-IN" sz="2000" b="1" dirty="0">
-                  <a:solidFill>
-                    <a:srgbClr val="FF0000"/>
-                  </a:solidFill>
-                </a:rPr>
-                <a:t>Ui5 – Architecture</a:t>
-              </a:r>
-              <a:endParaRPr lang="en-US" sz="2000" b="1" dirty="0">
-                <a:solidFill>
-                  <a:srgbClr val="FF0000"/>
-                </a:solidFill>
-              </a:endParaRPr>
-            </a:p>
-          </p:txBody>
-        </p:sp>
-        <p:cxnSp>
-          <p:nvCxnSpPr>
-            <p:cNvPr id="83" name="Straight Arrow Connector 82">
-              <a:extLst>
-                <a:ext uri="{FF2B5EF4-FFF2-40B4-BE49-F238E27FC236}">
-                  <a16:creationId xmlns:a16="http://schemas.microsoft.com/office/drawing/2014/main" id="{B82FC73D-F3A0-D9D7-B92C-0060F2E185B9}"/>
-                </a:ext>
-              </a:extLst>
-            </p:cNvPr>
-            <p:cNvCxnSpPr>
-              <a:cxnSpLocks/>
-            </p:cNvCxnSpPr>
-            <p:nvPr/>
-          </p:nvCxnSpPr>
-          <p:spPr>
-            <a:xfrm>
-              <a:off x="5734210" y="3629025"/>
-              <a:ext cx="0" cy="579587"/>
-            </a:xfrm>
-            <a:prstGeom prst="straightConnector1">
-              <a:avLst/>
-            </a:prstGeom>
-            <a:ln>
-              <a:tailEnd type="triangle"/>
-            </a:ln>
-          </p:spPr>
-          <p:style>
-            <a:lnRef idx="2">
-              <a:schemeClr val="accent1"/>
-            </a:lnRef>
-            <a:fillRef idx="0">
-              <a:schemeClr val="accent1"/>
-            </a:fillRef>
-            <a:effectRef idx="1">
-              <a:schemeClr val="accent1"/>
-            </a:effectRef>
-            <a:fontRef idx="minor">
-              <a:schemeClr val="tx1"/>
-            </a:fontRef>
-          </p:style>
-        </p:cxnSp>
-        <p:cxnSp>
-          <p:nvCxnSpPr>
-            <p:cNvPr id="84" name="Straight Arrow Connector 83">
-              <a:extLst>
-                <a:ext uri="{FF2B5EF4-FFF2-40B4-BE49-F238E27FC236}">
-                  <a16:creationId xmlns:a16="http://schemas.microsoft.com/office/drawing/2014/main" id="{0852CCBB-57B9-1B32-AEF1-9F9FC63AF517}"/>
-                </a:ext>
-              </a:extLst>
-            </p:cNvPr>
-            <p:cNvCxnSpPr>
-              <a:cxnSpLocks/>
-            </p:cNvCxnSpPr>
-            <p:nvPr/>
-          </p:nvCxnSpPr>
-          <p:spPr>
-            <a:xfrm flipH="1">
-              <a:off x="3601642" y="3478215"/>
-              <a:ext cx="1008947" cy="503838"/>
-            </a:xfrm>
-            <a:prstGeom prst="straightConnector1">
-              <a:avLst/>
-            </a:prstGeom>
-            <a:ln>
-              <a:tailEnd type="triangle"/>
-            </a:ln>
-          </p:spPr>
-          <p:style>
-            <a:lnRef idx="2">
-              <a:schemeClr val="accent1"/>
-            </a:lnRef>
-            <a:fillRef idx="0">
-              <a:schemeClr val="accent1"/>
-            </a:fillRef>
-            <a:effectRef idx="1">
-              <a:schemeClr val="accent1"/>
-            </a:effectRef>
-            <a:fontRef idx="minor">
-              <a:schemeClr val="tx1"/>
-            </a:fontRef>
-          </p:style>
-        </p:cxnSp>
-        <p:cxnSp>
-          <p:nvCxnSpPr>
-            <p:cNvPr id="86" name="Straight Arrow Connector 85">
-              <a:extLst>
-                <a:ext uri="{FF2B5EF4-FFF2-40B4-BE49-F238E27FC236}">
-                  <a16:creationId xmlns:a16="http://schemas.microsoft.com/office/drawing/2014/main" id="{CCDD1BC2-1C50-364B-32EC-4C6C379EB828}"/>
-                </a:ext>
-              </a:extLst>
-            </p:cNvPr>
-            <p:cNvCxnSpPr>
-              <a:cxnSpLocks/>
-            </p:cNvCxnSpPr>
-            <p:nvPr/>
-          </p:nvCxnSpPr>
-          <p:spPr>
-            <a:xfrm>
-              <a:off x="6914608" y="3531869"/>
-              <a:ext cx="1203359" cy="451741"/>
-            </a:xfrm>
-            <a:prstGeom prst="straightConnector1">
-              <a:avLst/>
-            </a:prstGeom>
-            <a:ln>
-              <a:tailEnd type="triangle"/>
-            </a:ln>
-          </p:spPr>
-          <p:style>
-            <a:lnRef idx="2">
-              <a:schemeClr val="accent1"/>
-            </a:lnRef>
-            <a:fillRef idx="0">
-              <a:schemeClr val="accent1"/>
-            </a:fillRef>
-            <a:effectRef idx="1">
-              <a:schemeClr val="accent1"/>
-            </a:effectRef>
-            <a:fontRef idx="minor">
-              <a:schemeClr val="tx1"/>
-            </a:fontRef>
-          </p:style>
-        </p:cxnSp>
       </p:grpSp>
     </p:spTree>
     <p:extLst>
